--- a/Presentation.pptx
+++ b/Presentation.pptx
@@ -4600,6 +4600,18 @@
             <a:pPr lvl="1"/>
             <a:r>
               <a:rPr lang="en-US" b="1" dirty="0"/>
+              <a:t>Explained Variance of the </a:t>
+            </a:r>
+            <a:r>
+              <a:rPr lang="en-US" b="1"/>
+              <a:t>2D data: 44.6 %</a:t>
+            </a:r>
+            <a:endParaRPr lang="en-US" b="1" dirty="0"/>
+          </a:p>
+          <a:p>
+            <a:pPr lvl="1"/>
+            <a:r>
+              <a:rPr lang="en-US" b="1" dirty="0"/>
               <a:t>Justifications for PCA:</a:t>
             </a:r>
           </a:p>

--- a/Presentation.pptx
+++ b/Presentation.pptx
@@ -19,8 +19,7 @@
     <p:sldId id="269" r:id="rId13"/>
     <p:sldId id="263" r:id="rId14"/>
     <p:sldId id="264" r:id="rId15"/>
-    <p:sldId id="270" r:id="rId16"/>
-    <p:sldId id="271" r:id="rId17"/>
+    <p:sldId id="271" r:id="rId16"/>
   </p:sldIdLst>
   <p:sldSz cx="12192000" cy="6858000"/>
   <p:notesSz cx="6858000" cy="9144000"/>
@@ -3386,10 +3385,14 @@
           <a:lstStyle/>
           <a:p>
             <a:r>
-              <a:rPr lang="en-US" sz="3600" dirty="0"/>
+              <a:rPr lang="en-US" sz="3600" dirty="0">
+                <a:latin typeface="Garamond" panose="02020404030301010803" pitchFamily="18" charset="0"/>
+              </a:rPr>
               <a:t>Nordea Data Science Recruitment Assignment</a:t>
             </a:r>
-            <a:endParaRPr lang="en-FI" sz="3600" dirty="0"/>
+            <a:endParaRPr lang="en-FI" sz="3600" dirty="0">
+              <a:latin typeface="Garamond" panose="02020404030301010803" pitchFamily="18" charset="0"/>
+            </a:endParaRPr>
           </a:p>
         </p:txBody>
       </p:sp>
@@ -3415,19 +3418,27 @@
           <a:lstStyle/>
           <a:p>
             <a:r>
-              <a:rPr lang="en-US" dirty="0"/>
+              <a:rPr lang="en-US" dirty="0">
+                <a:latin typeface="Garamond" panose="02020404030301010803" pitchFamily="18" charset="0"/>
+              </a:rPr>
               <a:t>Analyzing and generating political parties</a:t>
             </a:r>
           </a:p>
           <a:p>
-            <a:endParaRPr lang="en-US" dirty="0"/>
-          </a:p>
-          <a:p>
-            <a:r>
-              <a:rPr lang="en-US" dirty="0"/>
+            <a:endParaRPr lang="en-US" dirty="0">
+              <a:latin typeface="Garamond" panose="02020404030301010803" pitchFamily="18" charset="0"/>
+            </a:endParaRPr>
+          </a:p>
+          <a:p>
+            <a:r>
+              <a:rPr lang="en-US" dirty="0">
+                <a:latin typeface="Garamond" panose="02020404030301010803" pitchFamily="18" charset="0"/>
+              </a:rPr>
               <a:t>Mikko Närhi</a:t>
             </a:r>
-            <a:endParaRPr lang="en-FI" dirty="0"/>
+            <a:endParaRPr lang="en-FI" dirty="0">
+              <a:latin typeface="Garamond" panose="02020404030301010803" pitchFamily="18" charset="0"/>
+            </a:endParaRPr>
           </a:p>
         </p:txBody>
       </p:sp>
@@ -3483,10 +3494,14 @@
           <a:lstStyle/>
           <a:p>
             <a:r>
-              <a:rPr lang="en-US" dirty="0"/>
+              <a:rPr lang="en-US" dirty="0">
+                <a:latin typeface="Garamond" panose="02020404030301010803" pitchFamily="18" charset="0"/>
+              </a:rPr>
               <a:t>Task 4: Map 2D sampled points back to high-dimensional space</a:t>
             </a:r>
-            <a:endParaRPr lang="en-FI" dirty="0"/>
+            <a:endParaRPr lang="en-FI" dirty="0">
+              <a:latin typeface="Garamond" panose="02020404030301010803" pitchFamily="18" charset="0"/>
+            </a:endParaRPr>
           </a:p>
         </p:txBody>
       </p:sp>
@@ -3515,20 +3530,26 @@
               <a:buNone/>
             </a:pPr>
             <a:r>
-              <a:rPr lang="en-US" dirty="0"/>
+              <a:rPr lang="en-US" b="1" dirty="0">
+                <a:latin typeface="Garamond" panose="02020404030301010803" pitchFamily="18" charset="0"/>
+              </a:rPr>
               <a:t>Methodological choices:</a:t>
             </a:r>
           </a:p>
           <a:p>
             <a:r>
-              <a:rPr lang="en-US" dirty="0"/>
+              <a:rPr lang="en-US" dirty="0">
+                <a:latin typeface="Garamond" panose="02020404030301010803" pitchFamily="18" charset="0"/>
+              </a:rPr>
               <a:t>Inverse transformation using the fitted PCA-model</a:t>
             </a:r>
           </a:p>
           <a:p>
             <a:r>
-              <a:rPr lang="en-US" dirty="0"/>
-              <a:t>Inverse transformation using the fitted scaler.</a:t>
+              <a:rPr lang="en-US" dirty="0">
+                <a:latin typeface="Garamond" panose="02020404030301010803" pitchFamily="18" charset="0"/>
+              </a:rPr>
+              <a:t>Inverse transformation using the fitted scaler</a:t>
             </a:r>
           </a:p>
         </p:txBody>
@@ -3585,10 +3606,14 @@
           <a:lstStyle/>
           <a:p>
             <a:r>
-              <a:rPr lang="en-US" dirty="0"/>
+              <a:rPr lang="en-US" dirty="0">
+                <a:latin typeface="Garamond" panose="02020404030301010803" pitchFamily="18" charset="0"/>
+              </a:rPr>
               <a:t>Task 5: Paint the valid area of the high-dimensional space</a:t>
             </a:r>
-            <a:endParaRPr lang="en-FI" dirty="0"/>
+            <a:endParaRPr lang="en-FI" dirty="0">
+              <a:latin typeface="Garamond" panose="02020404030301010803" pitchFamily="18" charset="0"/>
+            </a:endParaRPr>
           </a:p>
         </p:txBody>
       </p:sp>
@@ -3619,27 +3644,35 @@
               <a:buNone/>
             </a:pPr>
             <a:r>
-              <a:rPr lang="en-US" dirty="0"/>
+              <a:rPr lang="en-US" b="1" dirty="0">
+                <a:latin typeface="Garamond" panose="02020404030301010803" pitchFamily="18" charset="0"/>
+              </a:rPr>
               <a:t>Methodological choices:</a:t>
             </a:r>
           </a:p>
           <a:p>
             <a:r>
-              <a:rPr lang="en-US" dirty="0"/>
+              <a:rPr lang="en-US" dirty="0">
+                <a:latin typeface="Garamond" panose="02020404030301010803" pitchFamily="18" charset="0"/>
+              </a:rPr>
               <a:t>Chosen method for defining the valid area: Generating a large number of extreme points</a:t>
             </a:r>
           </a:p>
           <a:p>
             <a:pPr lvl="1"/>
             <a:r>
-              <a:rPr lang="en-US" b="1" dirty="0"/>
+              <a:rPr lang="en-US" b="1" dirty="0">
+                <a:latin typeface="Garamond" panose="02020404030301010803" pitchFamily="18" charset="0"/>
+              </a:rPr>
               <a:t>Justifications for the method:</a:t>
             </a:r>
           </a:p>
           <a:p>
             <a:pPr lvl="2"/>
             <a:r>
-              <a:rPr lang="en-US" dirty="0"/>
+              <a:rPr lang="en-US" dirty="0">
+                <a:latin typeface="Garamond" panose="02020404030301010803" pitchFamily="18" charset="0"/>
+              </a:rPr>
               <a:t>Accuracy: Estimates the actual valid area accurately</a:t>
             </a:r>
           </a:p>
@@ -3648,27 +3681,35 @@
               <a:buNone/>
             </a:pPr>
             <a:r>
-              <a:rPr lang="en-US" dirty="0"/>
+              <a:rPr lang="en-US" b="1" dirty="0">
+                <a:latin typeface="Garamond" panose="02020404030301010803" pitchFamily="18" charset="0"/>
+              </a:rPr>
               <a:t>Alternatives:</a:t>
             </a:r>
           </a:p>
           <a:p>
             <a:r>
-              <a:rPr lang="en-US" dirty="0"/>
+              <a:rPr lang="en-US" dirty="0">
+                <a:latin typeface="Garamond" panose="02020404030301010803" pitchFamily="18" charset="0"/>
+              </a:rPr>
               <a:t>Direct approximation based on the observed 2D PCA-transformed data</a:t>
             </a:r>
           </a:p>
           <a:p>
             <a:pPr lvl="1"/>
             <a:r>
-              <a:rPr lang="en-US" dirty="0"/>
+              <a:rPr lang="en-US" dirty="0">
+                <a:latin typeface="Garamond" panose="02020404030301010803" pitchFamily="18" charset="0"/>
+              </a:rPr>
               <a:t>Pros: Simpler and easier to implement</a:t>
             </a:r>
           </a:p>
           <a:p>
             <a:pPr lvl="1"/>
             <a:r>
-              <a:rPr lang="en-US" dirty="0"/>
+              <a:rPr lang="en-US" dirty="0">
+                <a:latin typeface="Garamond" panose="02020404030301010803" pitchFamily="18" charset="0"/>
+              </a:rPr>
               <a:t>Cons: Does not encompass the full valid area</a:t>
             </a:r>
           </a:p>
@@ -3729,10 +3770,14 @@
           <a:lstStyle/>
           <a:p>
             <a:r>
-              <a:rPr lang="en-US" dirty="0"/>
+              <a:rPr lang="en-US" dirty="0">
+                <a:latin typeface="Garamond" panose="02020404030301010803" pitchFamily="18" charset="0"/>
+              </a:rPr>
               <a:t>Task 5: Valid area in the 2D space</a:t>
             </a:r>
-            <a:endParaRPr lang="en-FI" dirty="0"/>
+            <a:endParaRPr lang="en-FI" dirty="0">
+              <a:latin typeface="Garamond" panose="02020404030301010803" pitchFamily="18" charset="0"/>
+            </a:endParaRPr>
           </a:p>
         </p:txBody>
       </p:sp>
@@ -3823,10 +3868,14 @@
           <a:lstStyle/>
           <a:p>
             <a:r>
-              <a:rPr lang="en-US" dirty="0"/>
+              <a:rPr lang="en-US" dirty="0">
+                <a:latin typeface="Garamond" panose="02020404030301010803" pitchFamily="18" charset="0"/>
+              </a:rPr>
               <a:t>Explanation of the low-dimensional data</a:t>
             </a:r>
-            <a:endParaRPr lang="en-FI" dirty="0"/>
+            <a:endParaRPr lang="en-FI" dirty="0">
+              <a:latin typeface="Garamond" panose="02020404030301010803" pitchFamily="18" charset="0"/>
+            </a:endParaRPr>
           </a:p>
         </p:txBody>
       </p:sp>
@@ -3852,28 +3901,38 @@
           <a:lstStyle/>
           <a:p>
             <a:r>
-              <a:rPr lang="en-US" dirty="0"/>
-              <a:t>Using PCA for dimensionality reduction is like creating a simplified map of Europe's political landscape. </a:t>
-            </a:r>
-          </a:p>
-          <a:p>
-            <a:r>
-              <a:rPr lang="en-US" dirty="0"/>
-              <a:t>It helps politicians see how closely their views align with other parties on a high-level and where they stand out. </a:t>
-            </a:r>
-          </a:p>
-          <a:p>
-            <a:r>
-              <a:rPr lang="en-US" dirty="0"/>
-              <a:t>This clear, visual summary can guide strategic decisions and help in understanding of alliances and rivalries within the political sphere.</a:t>
-            </a:r>
-          </a:p>
-          <a:p>
-            <a:r>
-              <a:rPr lang="en-US" dirty="0"/>
-              <a:t>In addition, PCA helps us identify the most influential factors in the political spectrum, giving insight into what drives similarity or difference among parties.</a:t>
-            </a:r>
-            <a:endParaRPr lang="en-FI" dirty="0"/>
+              <a:rPr lang="en-US" dirty="0">
+                <a:latin typeface="Garamond" panose="02020404030301010803" pitchFamily="18" charset="0"/>
+              </a:rPr>
+              <a:t>Using PCA for dimensionality reduction is like creating a simplified map of Europe's political landscape</a:t>
+            </a:r>
+          </a:p>
+          <a:p>
+            <a:r>
+              <a:rPr lang="en-US" dirty="0">
+                <a:latin typeface="Garamond" panose="02020404030301010803" pitchFamily="18" charset="0"/>
+              </a:rPr>
+              <a:t>It helps politicians see how closely their views align with other parties on a high-level and where they stand out</a:t>
+            </a:r>
+          </a:p>
+          <a:p>
+            <a:r>
+              <a:rPr lang="en-US" dirty="0">
+                <a:latin typeface="Garamond" panose="02020404030301010803" pitchFamily="18" charset="0"/>
+              </a:rPr>
+              <a:t>This clear, visual summary can guide strategic decisions and help in understanding of alliances and rivalries within the political sphere</a:t>
+            </a:r>
+          </a:p>
+          <a:p>
+            <a:r>
+              <a:rPr lang="en-US" dirty="0">
+                <a:latin typeface="Garamond" panose="02020404030301010803" pitchFamily="18" charset="0"/>
+              </a:rPr>
+              <a:t>In addition, PCA helps us identify the most influential factors in the political spectrum, giving insight into what drives similarity or difference among parties</a:t>
+            </a:r>
+            <a:endParaRPr lang="en-FI" dirty="0">
+              <a:latin typeface="Garamond" panose="02020404030301010803" pitchFamily="18" charset="0"/>
+            </a:endParaRPr>
           </a:p>
         </p:txBody>
       </p:sp>
@@ -3929,10 +3988,14 @@
           <a:lstStyle/>
           <a:p>
             <a:r>
-              <a:rPr lang="en-US" dirty="0"/>
+              <a:rPr lang="en-US" dirty="0">
+                <a:latin typeface="Garamond" panose="02020404030301010803" pitchFamily="18" charset="0"/>
+              </a:rPr>
               <a:t>Deploying the model to cloud</a:t>
             </a:r>
-            <a:endParaRPr lang="en-FI" dirty="0"/>
+            <a:endParaRPr lang="en-FI" dirty="0">
+              <a:latin typeface="Garamond" panose="02020404030301010803" pitchFamily="18" charset="0"/>
+            </a:endParaRPr>
           </a:p>
         </p:txBody>
       </p:sp>
@@ -4006,86 +4069,6 @@
           <p:cNvPr id="2" name="Title 1">
             <a:extLst>
               <a:ext uri="{FF2B5EF4-FFF2-40B4-BE49-F238E27FC236}">
-                <a16:creationId xmlns:a16="http://schemas.microsoft.com/office/drawing/2014/main" id="{3DD1212D-2116-15AB-020C-B63155608AFA}"/>
-              </a:ext>
-            </a:extLst>
-          </p:cNvPr>
-          <p:cNvSpPr>
-            <a:spLocks noGrp="1"/>
-          </p:cNvSpPr>
-          <p:nvPr>
-            <p:ph type="title"/>
-          </p:nvPr>
-        </p:nvSpPr>
-        <p:spPr/>
-        <p:txBody>
-          <a:bodyPr/>
-          <a:lstStyle/>
-          <a:p>
-            <a:endParaRPr lang="en-FI"/>
-          </a:p>
-        </p:txBody>
-      </p:sp>
-      <p:sp>
-        <p:nvSpPr>
-          <p:cNvPr id="3" name="Content Placeholder 2">
-            <a:extLst>
-              <a:ext uri="{FF2B5EF4-FFF2-40B4-BE49-F238E27FC236}">
-                <a16:creationId xmlns:a16="http://schemas.microsoft.com/office/drawing/2014/main" id="{E8545A34-8B03-EFDB-528A-C8912DB77F23}"/>
-              </a:ext>
-            </a:extLst>
-          </p:cNvPr>
-          <p:cNvSpPr>
-            <a:spLocks noGrp="1"/>
-          </p:cNvSpPr>
-          <p:nvPr>
-            <p:ph idx="1"/>
-          </p:nvPr>
-        </p:nvSpPr>
-        <p:spPr/>
-        <p:txBody>
-          <a:bodyPr/>
-          <a:lstStyle/>
-          <a:p>
-            <a:endParaRPr lang="en-FI"/>
-          </a:p>
-        </p:txBody>
-      </p:sp>
-    </p:spTree>
-    <p:extLst>
-      <p:ext uri="{BB962C8B-B14F-4D97-AF65-F5344CB8AC3E}">
-        <p14:creationId xmlns:p14="http://schemas.microsoft.com/office/powerpoint/2010/main" val="3293829423"/>
-      </p:ext>
-    </p:extLst>
-  </p:cSld>
-  <p:clrMapOvr>
-    <a:masterClrMapping/>
-  </p:clrMapOvr>
-</p:sld>
-</file>
-
-<file path=ppt/slides/slide16.xml><?xml version="1.0" encoding="utf-8"?>
-<p:sld xmlns:a="http://schemas.openxmlformats.org/drawingml/2006/main" xmlns:r="http://schemas.openxmlformats.org/officeDocument/2006/relationships" xmlns:p="http://schemas.openxmlformats.org/presentationml/2006/main">
-  <p:cSld>
-    <p:spTree>
-      <p:nvGrpSpPr>
-        <p:cNvPr id="1" name=""/>
-        <p:cNvGrpSpPr/>
-        <p:nvPr/>
-      </p:nvGrpSpPr>
-      <p:grpSpPr>
-        <a:xfrm>
-          <a:off x="0" y="0"/>
-          <a:ext cx="0" cy="0"/>
-          <a:chOff x="0" y="0"/>
-          <a:chExt cx="0" cy="0"/>
-        </a:xfrm>
-      </p:grpSpPr>
-      <p:sp>
-        <p:nvSpPr>
-          <p:cNvPr id="2" name="Title 1">
-            <a:extLst>
-              <a:ext uri="{FF2B5EF4-FFF2-40B4-BE49-F238E27FC236}">
                 <a16:creationId xmlns:a16="http://schemas.microsoft.com/office/drawing/2014/main" id="{623595CD-CD33-81CC-EA75-D3CEBA3E7644}"/>
               </a:ext>
             </a:extLst>
@@ -4108,10 +4091,14 @@
           <a:lstStyle/>
           <a:p>
             <a:r>
-              <a:rPr lang="en-US" dirty="0"/>
+              <a:rPr lang="en-US" dirty="0">
+                <a:latin typeface="Garamond" panose="02020404030301010803" pitchFamily="18" charset="0"/>
+              </a:rPr>
               <a:t>Thank you for your consideration!</a:t>
             </a:r>
-            <a:endParaRPr lang="en-FI" dirty="0"/>
+            <a:endParaRPr lang="en-FI" dirty="0">
+              <a:latin typeface="Garamond" panose="02020404030301010803" pitchFamily="18" charset="0"/>
+            </a:endParaRPr>
           </a:p>
         </p:txBody>
       </p:sp>
@@ -4167,10 +4154,14 @@
           <a:lstStyle/>
           <a:p>
             <a:r>
-              <a:rPr lang="en-US" dirty="0"/>
+              <a:rPr lang="en-US" dirty="0">
+                <a:latin typeface="Garamond" panose="02020404030301010803" pitchFamily="18" charset="0"/>
+              </a:rPr>
               <a:t>Overview</a:t>
             </a:r>
-            <a:endParaRPr lang="en-FI" dirty="0"/>
+            <a:endParaRPr lang="en-FI" dirty="0">
+              <a:latin typeface="Garamond" panose="02020404030301010803" pitchFamily="18" charset="0"/>
+            </a:endParaRPr>
           </a:p>
         </p:txBody>
       </p:sp>
@@ -4196,48 +4187,62 @@
           <a:lstStyle/>
           <a:p>
             <a:r>
-              <a:rPr lang="en-US" dirty="0"/>
+              <a:rPr lang="en-US" dirty="0">
+                <a:latin typeface="Garamond" panose="02020404030301010803" pitchFamily="18" charset="0"/>
+              </a:rPr>
               <a:t>The assignment involved analyzing political party data with Python </a:t>
             </a:r>
           </a:p>
           <a:p>
             <a:r>
-              <a:rPr lang="en-US" dirty="0"/>
+              <a:rPr lang="en-US" dirty="0">
+                <a:latin typeface="Garamond" panose="02020404030301010803" pitchFamily="18" charset="0"/>
+              </a:rPr>
               <a:t>Tasks include:</a:t>
             </a:r>
           </a:p>
           <a:p>
             <a:pPr lvl="1"/>
             <a:r>
-              <a:rPr lang="en-US" dirty="0"/>
+              <a:rPr lang="en-US" dirty="0">
+                <a:latin typeface="Garamond" panose="02020404030301010803" pitchFamily="18" charset="0"/>
+              </a:rPr>
               <a:t>Loading and preprocessing data</a:t>
             </a:r>
           </a:p>
           <a:p>
             <a:pPr lvl="1"/>
             <a:r>
-              <a:rPr lang="en-US" dirty="0"/>
+              <a:rPr lang="en-US" dirty="0">
+                <a:latin typeface="Garamond" panose="02020404030301010803" pitchFamily="18" charset="0"/>
+              </a:rPr>
               <a:t>Dimensionality Reduction of high-dimensional data</a:t>
             </a:r>
           </a:p>
           <a:p>
             <a:pPr lvl="1"/>
             <a:r>
-              <a:rPr lang="en-US" dirty="0"/>
+              <a:rPr lang="en-US" dirty="0">
+                <a:latin typeface="Garamond" panose="02020404030301010803" pitchFamily="18" charset="0"/>
+              </a:rPr>
               <a:t>Estimating the distribution of the 2D data and generating 10 random samples</a:t>
             </a:r>
           </a:p>
           <a:p>
             <a:pPr lvl="1"/>
             <a:r>
-              <a:rPr lang="en-US" dirty="0"/>
+              <a:rPr lang="en-US" dirty="0">
+                <a:latin typeface="Garamond" panose="02020404030301010803" pitchFamily="18" charset="0"/>
+              </a:rPr>
               <a:t>Mapping the generated 2D samples back to high-dimensional space</a:t>
             </a:r>
           </a:p>
           <a:p>
             <a:pPr lvl="1"/>
             <a:r>
-              <a:rPr lang="en-US" dirty="0"/>
+              <a:rPr lang="en-US" dirty="0">
+                <a:latin typeface="Garamond" panose="02020404030301010803" pitchFamily="18" charset="0"/>
+              </a:rPr>
               <a:t>Painting the valid area of the high-dimensional space into 2D space</a:t>
             </a:r>
           </a:p>
@@ -4295,10 +4300,14 @@
           <a:lstStyle/>
           <a:p>
             <a:r>
-              <a:rPr lang="en-US" dirty="0"/>
+              <a:rPr lang="en-US" dirty="0">
+                <a:latin typeface="Garamond" panose="02020404030301010803" pitchFamily="18" charset="0"/>
+              </a:rPr>
               <a:t>Task 1: Preprocessing</a:t>
             </a:r>
-            <a:endParaRPr lang="en-FI" dirty="0"/>
+            <a:endParaRPr lang="en-FI" dirty="0">
+              <a:latin typeface="Garamond" panose="02020404030301010803" pitchFamily="18" charset="0"/>
+            </a:endParaRPr>
           </a:p>
         </p:txBody>
       </p:sp>
@@ -4329,25 +4338,33 @@
               <a:buNone/>
             </a:pPr>
             <a:r>
-              <a:rPr lang="en-US" dirty="0"/>
+              <a:rPr lang="en-US" b="1" dirty="0">
+                <a:latin typeface="Garamond" panose="02020404030301010803" pitchFamily="18" charset="0"/>
+              </a:rPr>
               <a:t>Methodological choices:</a:t>
             </a:r>
           </a:p>
           <a:p>
             <a:r>
-              <a:rPr lang="en-US" dirty="0"/>
+              <a:rPr lang="en-US" dirty="0">
+                <a:latin typeface="Garamond" panose="02020404030301010803" pitchFamily="18" charset="0"/>
+              </a:rPr>
               <a:t>Removal of certain columns from analysis (e.g. dob, gender)</a:t>
             </a:r>
           </a:p>
           <a:p>
             <a:r>
-              <a:rPr lang="en-US" dirty="0"/>
+              <a:rPr lang="en-US" dirty="0">
+                <a:latin typeface="Garamond" panose="02020404030301010803" pitchFamily="18" charset="0"/>
+              </a:rPr>
               <a:t>Handling missing data: No imputation nor removal of missing values</a:t>
             </a:r>
           </a:p>
           <a:p>
             <a:r>
-              <a:rPr lang="en-US" dirty="0"/>
+              <a:rPr lang="en-US" dirty="0">
+                <a:latin typeface="Garamond" panose="02020404030301010803" pitchFamily="18" charset="0"/>
+              </a:rPr>
               <a:t>Aggregation: Mean Aggregation per political party</a:t>
             </a:r>
           </a:p>
@@ -4356,47 +4373,61 @@
               <a:buNone/>
             </a:pPr>
             <a:r>
-              <a:rPr lang="en-US" dirty="0"/>
+              <a:rPr lang="en-US" b="1" dirty="0">
+                <a:latin typeface="Garamond" panose="02020404030301010803" pitchFamily="18" charset="0"/>
+              </a:rPr>
               <a:t>Alternatives:</a:t>
             </a:r>
           </a:p>
           <a:p>
             <a:r>
-              <a:rPr lang="en-US" dirty="0"/>
+              <a:rPr lang="en-US" dirty="0">
+                <a:latin typeface="Garamond" panose="02020404030301010803" pitchFamily="18" charset="0"/>
+              </a:rPr>
               <a:t>Missing Data Handling:</a:t>
             </a:r>
           </a:p>
           <a:p>
             <a:pPr lvl="1"/>
             <a:r>
-              <a:rPr lang="en-US" dirty="0"/>
+              <a:rPr lang="en-US" dirty="0">
+                <a:latin typeface="Garamond" panose="02020404030301010803" pitchFamily="18" charset="0"/>
+              </a:rPr>
               <a:t>Imputation: Cons include altering the distribution of data</a:t>
             </a:r>
           </a:p>
           <a:p>
             <a:pPr lvl="1"/>
             <a:r>
-              <a:rPr lang="en-US" dirty="0"/>
+              <a:rPr lang="en-US" dirty="0">
+                <a:latin typeface="Garamond" panose="02020404030301010803" pitchFamily="18" charset="0"/>
+              </a:rPr>
               <a:t>Removal of data points: Cons include having less data for analysis</a:t>
             </a:r>
           </a:p>
           <a:p>
             <a:r>
-              <a:rPr lang="en-US" dirty="0"/>
+              <a:rPr lang="en-US" dirty="0">
+                <a:latin typeface="Garamond" panose="02020404030301010803" pitchFamily="18" charset="0"/>
+              </a:rPr>
               <a:t>Aggregation methods:</a:t>
             </a:r>
           </a:p>
           <a:p>
             <a:pPr lvl="1"/>
             <a:r>
-              <a:rPr lang="en-US" dirty="0"/>
+              <a:rPr lang="en-US" dirty="0">
+                <a:latin typeface="Garamond" panose="02020404030301010803" pitchFamily="18" charset="0"/>
+              </a:rPr>
               <a:t>Sum aggregating</a:t>
             </a:r>
           </a:p>
           <a:p>
             <a:pPr lvl="1"/>
             <a:r>
-              <a:rPr lang="en-US" dirty="0"/>
+              <a:rPr lang="en-US" dirty="0">
+                <a:latin typeface="Garamond" panose="02020404030301010803" pitchFamily="18" charset="0"/>
+              </a:rPr>
               <a:t>Median aggregating</a:t>
             </a:r>
           </a:p>
@@ -4458,10 +4489,14 @@
           <a:lstStyle/>
           <a:p>
             <a:r>
-              <a:rPr lang="en-US" dirty="0"/>
+              <a:rPr lang="en-US" dirty="0">
+                <a:latin typeface="Garamond" panose="02020404030301010803" pitchFamily="18" charset="0"/>
+              </a:rPr>
               <a:t>Task 1: Missing data per column</a:t>
             </a:r>
-            <a:endParaRPr lang="en-FI" dirty="0"/>
+            <a:endParaRPr lang="en-FI" dirty="0">
+              <a:latin typeface="Garamond" panose="02020404030301010803" pitchFamily="18" charset="0"/>
+            </a:endParaRPr>
           </a:p>
         </p:txBody>
       </p:sp>
@@ -4552,10 +4587,14 @@
           <a:lstStyle/>
           <a:p>
             <a:r>
-              <a:rPr lang="en-US" dirty="0"/>
+              <a:rPr lang="en-US" dirty="0">
+                <a:latin typeface="Garamond" panose="02020404030301010803" pitchFamily="18" charset="0"/>
+              </a:rPr>
               <a:t>Task 2: Dimensionality reduction</a:t>
             </a:r>
-            <a:endParaRPr lang="en-FI" dirty="0"/>
+            <a:endParaRPr lang="en-FI" dirty="0">
+              <a:latin typeface="Garamond" panose="02020404030301010803" pitchFamily="18" charset="0"/>
+            </a:endParaRPr>
           </a:p>
         </p:txBody>
       </p:sp>
@@ -4575,10 +4614,15 @@
             <p:ph idx="1"/>
           </p:nvPr>
         </p:nvSpPr>
-        <p:spPr/>
+        <p:spPr>
+          <a:xfrm>
+            <a:off x="698739" y="1690688"/>
+            <a:ext cx="11033185" cy="4994784"/>
+          </a:xfrm>
+        </p:spPr>
         <p:txBody>
           <a:bodyPr>
-            <a:normAutofit fontScale="62500" lnSpcReduction="20000"/>
+            <a:normAutofit fontScale="70000" lnSpcReduction="20000"/>
           </a:bodyPr>
           <a:lstStyle/>
           <a:p>
@@ -4586,53 +4630,62 @@
               <a:buNone/>
             </a:pPr>
             <a:r>
-              <a:rPr lang="en-US" dirty="0"/>
+              <a:rPr lang="en-US" b="1" dirty="0">
+                <a:latin typeface="Garamond" panose="02020404030301010803" pitchFamily="18" charset="0"/>
+              </a:rPr>
               <a:t>Methodological choices:</a:t>
             </a:r>
           </a:p>
           <a:p>
             <a:r>
-              <a:rPr lang="en-US" dirty="0"/>
+              <a:rPr lang="en-US" dirty="0">
+                <a:latin typeface="Garamond" panose="02020404030301010803" pitchFamily="18" charset="0"/>
+              </a:rPr>
               <a:t>Chosen dimensionality reduction technique: PCA</a:t>
             </a:r>
           </a:p>
           <a:p>
             <a:pPr lvl="1"/>
             <a:r>
-              <a:rPr lang="en-US" b="1" dirty="0"/>
-              <a:t>Explained Variance of the </a:t>
-            </a:r>
-            <a:r>
-              <a:rPr lang="en-US" b="1"/>
-              <a:t>2D data: 44.6 %</a:t>
-            </a:r>
-            <a:endParaRPr lang="en-US" b="1" dirty="0"/>
+              <a:rPr lang="en-US" b="1" dirty="0">
+                <a:latin typeface="Garamond" panose="02020404030301010803" pitchFamily="18" charset="0"/>
+              </a:rPr>
+              <a:t>Explained Variance of the 2D data: 44.6 %</a:t>
+            </a:r>
           </a:p>
           <a:p>
             <a:pPr lvl="1"/>
             <a:r>
-              <a:rPr lang="en-US" b="1" dirty="0"/>
+              <a:rPr lang="en-US" b="1" dirty="0">
+                <a:latin typeface="Garamond" panose="02020404030301010803" pitchFamily="18" charset="0"/>
+              </a:rPr>
               <a:t>Justifications for PCA:</a:t>
             </a:r>
           </a:p>
           <a:p>
             <a:pPr lvl="2"/>
             <a:r>
-              <a:rPr lang="en-US" dirty="0"/>
+              <a:rPr lang="en-US" dirty="0">
+                <a:latin typeface="Garamond" panose="02020404030301010803" pitchFamily="18" charset="0"/>
+              </a:rPr>
               <a:t>Familiarity: I have implemented PCA in the past and understand it well</a:t>
             </a:r>
           </a:p>
           <a:p>
             <a:pPr lvl="2"/>
             <a:r>
-              <a:rPr lang="en-US" dirty="0"/>
+              <a:rPr lang="en-US" dirty="0">
+                <a:latin typeface="Garamond" panose="02020404030301010803" pitchFamily="18" charset="0"/>
+              </a:rPr>
               <a:t>Variance Preservation: PCA focuses on keeping the largest amount of variance possible</a:t>
             </a:r>
           </a:p>
           <a:p>
             <a:pPr lvl="2"/>
             <a:r>
-              <a:rPr lang="en-US" dirty="0"/>
+              <a:rPr lang="en-US" dirty="0">
+                <a:latin typeface="Garamond" panose="02020404030301010803" pitchFamily="18" charset="0"/>
+              </a:rPr>
               <a:t>Simplicity and efficiency: Straightforward implementation and computational efficiency</a:t>
             </a:r>
           </a:p>
@@ -4641,78 +4694,104 @@
               <a:buNone/>
             </a:pPr>
             <a:r>
-              <a:rPr lang="en-US" dirty="0"/>
+              <a:rPr lang="en-US" b="1" dirty="0">
+                <a:latin typeface="Garamond" panose="02020404030301010803" pitchFamily="18" charset="0"/>
+              </a:rPr>
               <a:t>Alternatives:</a:t>
             </a:r>
           </a:p>
           <a:p>
             <a:r>
-              <a:rPr lang="en-US" dirty="0"/>
+              <a:rPr lang="en-US" dirty="0">
+                <a:latin typeface="Garamond" panose="02020404030301010803" pitchFamily="18" charset="0"/>
+              </a:rPr>
               <a:t>t-SNE</a:t>
             </a:r>
           </a:p>
           <a:p>
             <a:pPr lvl="1"/>
             <a:r>
-              <a:rPr lang="en-US" dirty="0"/>
+              <a:rPr lang="en-US" dirty="0">
+                <a:latin typeface="Garamond" panose="02020404030301010803" pitchFamily="18" charset="0"/>
+              </a:rPr>
               <a:t>Pros: Can capture non-linear relationships</a:t>
             </a:r>
           </a:p>
           <a:p>
             <a:pPr lvl="1"/>
             <a:r>
-              <a:rPr lang="en-US" dirty="0"/>
+              <a:rPr lang="en-US" dirty="0">
+                <a:latin typeface="Garamond" panose="02020404030301010803" pitchFamily="18" charset="0"/>
+              </a:rPr>
               <a:t>Cons: Computational complexity</a:t>
             </a:r>
           </a:p>
           <a:p>
             <a:r>
-              <a:rPr lang="en-US" dirty="0"/>
+              <a:rPr lang="en-US" dirty="0">
+                <a:latin typeface="Garamond" panose="02020404030301010803" pitchFamily="18" charset="0"/>
+              </a:rPr>
               <a:t>UMAP</a:t>
             </a:r>
           </a:p>
           <a:p>
             <a:pPr lvl="1"/>
             <a:r>
-              <a:rPr lang="en-US" dirty="0"/>
+              <a:rPr lang="en-US" dirty="0">
+                <a:latin typeface="Garamond" panose="02020404030301010803" pitchFamily="18" charset="0"/>
+              </a:rPr>
               <a:t>Pros: </a:t>
             </a:r>
             <a:r>
-              <a:rPr lang="en-US" dirty="0" err="1"/>
+              <a:rPr lang="en-US" dirty="0" err="1">
+                <a:latin typeface="Garamond" panose="02020404030301010803" pitchFamily="18" charset="0"/>
+              </a:rPr>
               <a:t>Preverses</a:t>
             </a:r>
             <a:r>
-              <a:rPr lang="en-US" dirty="0"/>
+              <a:rPr lang="en-US" dirty="0">
+                <a:latin typeface="Garamond" panose="02020404030301010803" pitchFamily="18" charset="0"/>
+              </a:rPr>
               <a:t> both global and local structure</a:t>
             </a:r>
           </a:p>
           <a:p>
             <a:pPr lvl="1"/>
             <a:r>
-              <a:rPr lang="en-US" dirty="0"/>
+              <a:rPr lang="en-US" dirty="0">
+                <a:latin typeface="Garamond" panose="02020404030301010803" pitchFamily="18" charset="0"/>
+              </a:rPr>
               <a:t>Cons: More hyperparameters to tune</a:t>
             </a:r>
           </a:p>
           <a:p>
             <a:r>
-              <a:rPr lang="en-US" dirty="0"/>
+              <a:rPr lang="en-US" dirty="0">
+                <a:latin typeface="Garamond" panose="02020404030301010803" pitchFamily="18" charset="0"/>
+              </a:rPr>
               <a:t>Autoencoder</a:t>
             </a:r>
           </a:p>
           <a:p>
             <a:pPr lvl="1"/>
             <a:r>
-              <a:rPr lang="en-US" dirty="0"/>
+              <a:rPr lang="en-US" dirty="0">
+                <a:latin typeface="Garamond" panose="02020404030301010803" pitchFamily="18" charset="0"/>
+              </a:rPr>
               <a:t>Pros: Can capture non-linear relationships and complex patterns</a:t>
             </a:r>
           </a:p>
           <a:p>
             <a:pPr lvl="1"/>
             <a:r>
-              <a:rPr lang="en-US" dirty="0"/>
+              <a:rPr lang="en-US" dirty="0">
+                <a:latin typeface="Garamond" panose="02020404030301010803" pitchFamily="18" charset="0"/>
+              </a:rPr>
               <a:t>Cons: Requires significant computational resources; complex hyperparameter training and needs a large amount of data</a:t>
             </a:r>
-            <a:endParaRPr lang="en-FI" dirty="0"/>
+            <a:endParaRPr lang="en-FI" dirty="0">
+              <a:latin typeface="Garamond" panose="02020404030301010803" pitchFamily="18" charset="0"/>
+            </a:endParaRPr>
           </a:p>
         </p:txBody>
       </p:sp>
@@ -4768,10 +4847,14 @@
           <a:lstStyle/>
           <a:p>
             <a:r>
-              <a:rPr lang="en-US" dirty="0"/>
+              <a:rPr lang="en-US" dirty="0">
+                <a:latin typeface="Garamond" panose="02020404030301010803" pitchFamily="18" charset="0"/>
+              </a:rPr>
               <a:t>Task 2: Scatterplot of 2D data points</a:t>
             </a:r>
-            <a:endParaRPr lang="en-FI" dirty="0"/>
+            <a:endParaRPr lang="en-FI" dirty="0">
+              <a:latin typeface="Garamond" panose="02020404030301010803" pitchFamily="18" charset="0"/>
+            </a:endParaRPr>
           </a:p>
         </p:txBody>
       </p:sp>
@@ -4862,10 +4945,14 @@
           <a:lstStyle/>
           <a:p>
             <a:r>
-              <a:rPr lang="en-US" dirty="0"/>
+              <a:rPr lang="en-US" dirty="0">
+                <a:latin typeface="Garamond" panose="02020404030301010803" pitchFamily="18" charset="0"/>
+              </a:rPr>
               <a:t>Task 3: Estimate the distribution and draw random samples</a:t>
             </a:r>
-            <a:endParaRPr lang="en-FI" dirty="0"/>
+            <a:endParaRPr lang="en-FI" dirty="0">
+              <a:latin typeface="Garamond" panose="02020404030301010803" pitchFamily="18" charset="0"/>
+            </a:endParaRPr>
           </a:p>
         </p:txBody>
       </p:sp>
@@ -4896,34 +4983,44 @@
               <a:buNone/>
             </a:pPr>
             <a:r>
-              <a:rPr lang="en-US" dirty="0"/>
+              <a:rPr lang="en-US" b="1" dirty="0">
+                <a:latin typeface="Garamond" panose="02020404030301010803" pitchFamily="18" charset="0"/>
+              </a:rPr>
               <a:t>Methodological choices:</a:t>
             </a:r>
           </a:p>
           <a:p>
             <a:r>
-              <a:rPr lang="en-US" dirty="0"/>
+              <a:rPr lang="en-US" dirty="0">
+                <a:latin typeface="Garamond" panose="02020404030301010803" pitchFamily="18" charset="0"/>
+              </a:rPr>
               <a:t>Chosen method for estimating the distribution: Gaussian Kernel Density Estimation (KDE)</a:t>
             </a:r>
           </a:p>
           <a:p>
             <a:pPr lvl="1"/>
             <a:r>
-              <a:rPr lang="en-US" b="1" dirty="0"/>
+              <a:rPr lang="en-US" b="1" dirty="0">
+                <a:latin typeface="Garamond" panose="02020404030301010803" pitchFamily="18" charset="0"/>
+              </a:rPr>
               <a:t>Justifications for Gaussian KDE:</a:t>
             </a:r>
           </a:p>
           <a:p>
             <a:pPr lvl="2"/>
             <a:r>
-              <a:rPr lang="en-US" dirty="0"/>
+              <a:rPr lang="en-US" dirty="0">
+                <a:latin typeface="Garamond" panose="02020404030301010803" pitchFamily="18" charset="0"/>
+              </a:rPr>
               <a:t>Flexibility: Capable of modelling complex distributions</a:t>
             </a:r>
           </a:p>
           <a:p>
             <a:pPr lvl="2"/>
             <a:r>
-              <a:rPr lang="en-US" dirty="0"/>
+              <a:rPr lang="en-US" dirty="0">
+                <a:latin typeface="Garamond" panose="02020404030301010803" pitchFamily="18" charset="0"/>
+              </a:rPr>
               <a:t>Smoothness: Produces a smooth estimate of the probability density function</a:t>
             </a:r>
           </a:p>
@@ -4932,27 +5029,35 @@
               <a:buNone/>
             </a:pPr>
             <a:r>
-              <a:rPr lang="en-US" dirty="0"/>
+              <a:rPr lang="en-US" b="1" dirty="0">
+                <a:latin typeface="Garamond" panose="02020404030301010803" pitchFamily="18" charset="0"/>
+              </a:rPr>
               <a:t>Alternatives:</a:t>
             </a:r>
           </a:p>
           <a:p>
             <a:r>
-              <a:rPr lang="en-US" dirty="0"/>
+              <a:rPr lang="en-US" dirty="0">
+                <a:latin typeface="Garamond" panose="02020404030301010803" pitchFamily="18" charset="0"/>
+              </a:rPr>
               <a:t>Multivariate Normal Distribution</a:t>
             </a:r>
           </a:p>
           <a:p>
             <a:pPr lvl="1"/>
             <a:r>
-              <a:rPr lang="en-US" dirty="0"/>
+              <a:rPr lang="en-US" dirty="0">
+                <a:latin typeface="Garamond" panose="02020404030301010803" pitchFamily="18" charset="0"/>
+              </a:rPr>
               <a:t>Pros: Well known and efficient to compute</a:t>
             </a:r>
           </a:p>
           <a:p>
             <a:pPr lvl="1"/>
             <a:r>
-              <a:rPr lang="en-US" dirty="0"/>
+              <a:rPr lang="en-US" dirty="0">
+                <a:latin typeface="Garamond" panose="02020404030301010803" pitchFamily="18" charset="0"/>
+              </a:rPr>
               <a:t>Cons: Does not accurately capture the true distribution</a:t>
             </a:r>
           </a:p>
@@ -5013,10 +5118,14 @@
           <a:lstStyle/>
           <a:p>
             <a:r>
-              <a:rPr lang="en-US" dirty="0"/>
+              <a:rPr lang="en-US" dirty="0">
+                <a:latin typeface="Garamond" panose="02020404030301010803" pitchFamily="18" charset="0"/>
+              </a:rPr>
               <a:t>Task 3: Estimate of the Distribution</a:t>
             </a:r>
-            <a:endParaRPr lang="en-FI" dirty="0"/>
+            <a:endParaRPr lang="en-FI" dirty="0">
+              <a:latin typeface="Garamond" panose="02020404030301010803" pitchFamily="18" charset="0"/>
+            </a:endParaRPr>
           </a:p>
         </p:txBody>
       </p:sp>
@@ -5112,10 +5221,14 @@
           <a:lstStyle/>
           <a:p>
             <a:r>
-              <a:rPr lang="en-US" dirty="0"/>
+              <a:rPr lang="en-US" dirty="0">
+                <a:latin typeface="Garamond" panose="02020404030301010803" pitchFamily="18" charset="0"/>
+              </a:rPr>
               <a:t>Task 3: Scatterplot with the generated samples </a:t>
             </a:r>
-            <a:endParaRPr lang="en-FI" dirty="0"/>
+            <a:endParaRPr lang="en-FI" dirty="0">
+              <a:latin typeface="Garamond" panose="02020404030301010803" pitchFamily="18" charset="0"/>
+            </a:endParaRPr>
           </a:p>
         </p:txBody>
       </p:sp>
@@ -5149,8 +5262,8 @@
         </p:blipFill>
         <p:spPr>
           <a:xfrm>
-            <a:off x="3195108" y="1825625"/>
-            <a:ext cx="5801784" cy="4351338"/>
+            <a:off x="2835444" y="1501791"/>
+            <a:ext cx="6521111" cy="4890833"/>
           </a:xfrm>
         </p:spPr>
       </p:pic>
